--- a/ВКР/Защита/Тарновский Презентация/Информационная система.pptx
+++ b/ВКР/Защита/Тарновский Презентация/Информационная система.pptx
@@ -5714,7 +5714,7 @@
             <a:pPr rtl="0"/>
             <a:fld id="{35C963BE-E818-41F7-9555-4F4B742E98AE}" type="datetime1">
               <a:rPr lang="ru-RU" smtClean="0"/>
-              <a:t>31.01.2020</a:t>
+              <a:t>06.02.2020</a:t>
             </a:fld>
             <a:endParaRPr lang="ru-RU"/>
           </a:p>
@@ -5896,7 +5896,7 @@
             <a:pPr rtl="0"/>
             <a:fld id="{15735222-6EEA-46CD-B936-E9E9D4B85411}" type="datetime1">
               <a:rPr lang="ru-RU" noProof="0" smtClean="0"/>
-              <a:t>31.01.2020</a:t>
+              <a:t>06.02.2020</a:t>
             </a:fld>
             <a:endParaRPr lang="ru-RU" noProof="0"/>
           </a:p>
@@ -30941,15 +30941,7 @@
                   <a:schemeClr val="bg1"/>
                 </a:solidFill>
               </a:rPr>
-              <a:t>эквивалентных </a:t>
-            </a:r>
-            <a:r>
-              <a:rPr lang="ru-RU" dirty="0" smtClean="0">
-                <a:solidFill>
-                  <a:schemeClr val="bg1"/>
-                </a:solidFill>
-              </a:rPr>
-              <a:t>сумме 76661,96 </a:t>
+              <a:t>эквивалентных сумме 76661,96 </a:t>
             </a:r>
             <a:r>
               <a:rPr lang="ru-RU" dirty="0">
@@ -33522,6 +33514,15 @@
 </file>
 
 <file path=customXml/item1.xml><?xml version="1.0" encoding="utf-8"?>
+<?mso-contentType ?>
+<FormTemplates xmlns="http://schemas.microsoft.com/sharepoint/v3/contenttype/forms">
+  <Display>DocumentLibraryForm</Display>
+  <Edit>DocumentLibraryForm</Edit>
+  <New>DocumentLibraryForm</New>
+</FormTemplates>
+</file>
+
+<file path=customXml/item2.xml><?xml version="1.0" encoding="utf-8"?>
 <ct:contentTypeSchema xmlns:ct="http://schemas.microsoft.com/office/2006/metadata/contentType" xmlns:ma="http://schemas.microsoft.com/office/2006/metadata/properties/metaAttributes" ct:_="" ma:_="" ma:contentTypeName="Document" ma:contentTypeID="0x010100DEEA25CC0A0AC24199CDC46C25B8B0BC" ma:contentTypeVersion="10" ma:contentTypeDescription="Create a new document." ma:contentTypeScope="" ma:versionID="e3b47856d4cf355c0dacb39e1084d14f">
   <xsd:schema xmlns:xsd="http://www.w3.org/2001/XMLSchema" xmlns:xs="http://www.w3.org/2001/XMLSchema" xmlns:p="http://schemas.microsoft.com/office/2006/metadata/properties" xmlns:ns1="http://schemas.microsoft.com/sharepoint/v3" xmlns:ns2="6dc4bcd6-49db-4c07-9060-8acfc67cef9f" xmlns:ns3="fb0879af-3eba-417a-a55a-ffe6dcd6ca77" targetNamespace="http://schemas.microsoft.com/office/2006/metadata/properties" ma:root="true" ma:fieldsID="a845a615265fdb1f7b12cc65ac20ecbd" ns1:_="" ns2:_="" ns3:_="">
     <xsd:import namespace="http://schemas.microsoft.com/sharepoint/v3"/>
@@ -33729,15 +33730,6 @@
 </ct:contentTypeSchema>
 </file>
 
-<file path=customXml/item2.xml><?xml version="1.0" encoding="utf-8"?>
-<?mso-contentType ?>
-<FormTemplates xmlns="http://schemas.microsoft.com/sharepoint/v3/contenttype/forms">
-  <Display>DocumentLibraryForm</Display>
-  <Edit>DocumentLibraryForm</Edit>
-  <New>DocumentLibraryForm</New>
-</FormTemplates>
-</file>
-
 <file path=customXml/item3.xml><?xml version="1.0" encoding="utf-8"?>
 <p:properties xmlns:p="http://schemas.microsoft.com/office/2006/metadata/properties" xmlns:xsi="http://www.w3.org/2001/XMLSchema-instance" xmlns:pc="http://schemas.microsoft.com/office/infopath/2007/PartnerControls">
   <documentManagement>
@@ -33748,6 +33740,14 @@
 </file>
 
 <file path=customXml/itemProps1.xml><?xml version="1.0" encoding="utf-8"?>
+<ds:datastoreItem xmlns:ds="http://schemas.openxmlformats.org/officeDocument/2006/customXml" ds:itemID="{8A95DE24-D6C3-4A00-9085-D9594C193AE1}">
+  <ds:schemaRefs>
+    <ds:schemaRef ds:uri="http://schemas.microsoft.com/sharepoint/v3/contenttype/forms"/>
+  </ds:schemaRefs>
+</ds:datastoreItem>
+</file>
+
+<file path=customXml/itemProps2.xml><?xml version="1.0" encoding="utf-8"?>
 <ds:datastoreItem xmlns:ds="http://schemas.openxmlformats.org/officeDocument/2006/customXml" ds:itemID="{6B67ACAB-C3DC-429D-A23C-0723C084FEE5}">
   <ds:schemaRefs>
     <ds:schemaRef ds:uri="http://schemas.microsoft.com/office/2006/metadata/contentType"/>
@@ -33763,14 +33763,6 @@
     <ds:schemaRef ds:uri="http://purl.org/dc/elements/1.1/"/>
     <ds:schemaRef ds:uri="http://purl.org/dc/terms/"/>
     <ds:schemaRef ds:uri="http://schemas.microsoft.com/internal/obd"/>
-  </ds:schemaRefs>
-</ds:datastoreItem>
-</file>
-
-<file path=customXml/itemProps2.xml><?xml version="1.0" encoding="utf-8"?>
-<ds:datastoreItem xmlns:ds="http://schemas.openxmlformats.org/officeDocument/2006/customXml" ds:itemID="{8A95DE24-D6C3-4A00-9085-D9594C193AE1}">
-  <ds:schemaRefs>
-    <ds:schemaRef ds:uri="http://schemas.microsoft.com/sharepoint/v3/contenttype/forms"/>
   </ds:schemaRefs>
 </ds:datastoreItem>
 </file>
